--- a/Demo Presentation.pptx
+++ b/Demo Presentation.pptx
@@ -114,6 +114,11 @@
       </a:defRPr>
     </a:lvl9pPr>
   </p:defaultTextStyle>
+  <p:extLst>
+    <p:ext uri="{EFAFB233-063F-42B5-8137-9DF3F51BA10A}">
+      <p15:sldGuideLst xmlns:p15="http://schemas.microsoft.com/office/powerpoint/2012/main"/>
+    </p:ext>
+  </p:extLst>
 </p:presentation>
 </file>
 
@@ -363,7 +368,7 @@
             <a:fld id="{B61BEF0D-F0BB-DE4B-95CE-6DB70DBA9567}" type="datetimeFigureOut">
               <a:rPr lang="en-US" dirty="0"/>
               <a:pPr/>
-              <a:t>3/13/2019</a:t>
+              <a:t>3/14/2019</a:t>
             </a:fld>
             <a:endParaRPr lang="en-US" dirty="0"/>
           </a:p>
@@ -622,7 +627,7 @@
             <a:fld id="{B61BEF0D-F0BB-DE4B-95CE-6DB70DBA9567}" type="datetimeFigureOut">
               <a:rPr lang="en-US" dirty="0"/>
               <a:pPr/>
-              <a:t>3/13/2019</a:t>
+              <a:t>3/14/2019</a:t>
             </a:fld>
             <a:endParaRPr lang="en-US" dirty="0"/>
           </a:p>
@@ -854,7 +859,7 @@
             <a:fld id="{B61BEF0D-F0BB-DE4B-95CE-6DB70DBA9567}" type="datetimeFigureOut">
               <a:rPr lang="en-US" dirty="0"/>
               <a:pPr/>
-              <a:t>3/13/2019</a:t>
+              <a:t>3/14/2019</a:t>
             </a:fld>
             <a:endParaRPr lang="en-US" dirty="0"/>
           </a:p>
@@ -1091,7 +1096,7 @@
             <a:fld id="{B61BEF0D-F0BB-DE4B-95CE-6DB70DBA9567}" type="datetimeFigureOut">
               <a:rPr lang="en-US" dirty="0"/>
               <a:pPr/>
-              <a:t>3/13/2019</a:t>
+              <a:t>3/14/2019</a:t>
             </a:fld>
             <a:endParaRPr lang="en-US" dirty="0"/>
           </a:p>
@@ -1395,7 +1400,7 @@
             <a:fld id="{B61BEF0D-F0BB-DE4B-95CE-6DB70DBA9567}" type="datetimeFigureOut">
               <a:rPr lang="en-US" dirty="0"/>
               <a:pPr/>
-              <a:t>3/13/2019</a:t>
+              <a:t>3/14/2019</a:t>
             </a:fld>
             <a:endParaRPr lang="en-US" dirty="0"/>
           </a:p>
@@ -1694,7 +1699,7 @@
             <a:fld id="{B61BEF0D-F0BB-DE4B-95CE-6DB70DBA9567}" type="datetimeFigureOut">
               <a:rPr lang="en-US" dirty="0"/>
               <a:pPr/>
-              <a:t>3/13/2019</a:t>
+              <a:t>3/14/2019</a:t>
             </a:fld>
             <a:endParaRPr lang="en-US" dirty="0"/>
           </a:p>
@@ -2113,7 +2118,7 @@
             <a:fld id="{B61BEF0D-F0BB-DE4B-95CE-6DB70DBA9567}" type="datetimeFigureOut">
               <a:rPr lang="en-US" dirty="0"/>
               <a:pPr/>
-              <a:t>3/13/2019</a:t>
+              <a:t>3/14/2019</a:t>
             </a:fld>
             <a:endParaRPr lang="en-US" dirty="0"/>
           </a:p>
@@ -2272,7 +2277,7 @@
             <a:fld id="{B61BEF0D-F0BB-DE4B-95CE-6DB70DBA9567}" type="datetimeFigureOut">
               <a:rPr lang="en-US" dirty="0"/>
               <a:pPr/>
-              <a:t>3/13/2019</a:t>
+              <a:t>3/14/2019</a:t>
             </a:fld>
             <a:endParaRPr lang="en-US" dirty="0"/>
           </a:p>
@@ -2364,7 +2369,7 @@
             <a:fld id="{B61BEF0D-F0BB-DE4B-95CE-6DB70DBA9567}" type="datetimeFigureOut">
               <a:rPr lang="en-US" dirty="0"/>
               <a:pPr/>
-              <a:t>3/13/2019</a:t>
+              <a:t>3/14/2019</a:t>
             </a:fld>
             <a:endParaRPr lang="en-US" dirty="0"/>
           </a:p>
@@ -2739,7 +2744,7 @@
             <a:fld id="{B61BEF0D-F0BB-DE4B-95CE-6DB70DBA9567}" type="datetimeFigureOut">
               <a:rPr lang="en-US" dirty="0"/>
               <a:pPr/>
-              <a:t>3/13/2019</a:t>
+              <a:t>3/14/2019</a:t>
             </a:fld>
             <a:endParaRPr lang="en-US" dirty="0"/>
           </a:p>
@@ -3025,7 +3030,7 @@
             <a:fld id="{B61BEF0D-F0BB-DE4B-95CE-6DB70DBA9567}" type="datetimeFigureOut">
               <a:rPr lang="en-US" dirty="0"/>
               <a:pPr/>
-              <a:t>3/13/2019</a:t>
+              <a:t>3/14/2019</a:t>
             </a:fld>
             <a:endParaRPr lang="en-US" dirty="0"/>
           </a:p>
@@ -3233,7 +3238,7 @@
             <a:fld id="{B61BEF0D-F0BB-DE4B-95CE-6DB70DBA9567}" type="datetimeFigureOut">
               <a:rPr lang="en-US" dirty="0"/>
               <a:pPr/>
-              <a:t>3/13/2019</a:t>
+              <a:t>3/14/2019</a:t>
             </a:fld>
             <a:endParaRPr lang="en-US" dirty="0"/>
           </a:p>
@@ -4492,31 +4497,35 @@
           </a:p>
         </p:txBody>
       </p:sp>
-      <p:sp>
-        <p:nvSpPr>
-          <p:cNvPr id="3" name="Content Placeholder 2">
+      <p:pic>
+        <p:nvPicPr>
+          <p:cNvPr id="5" name="Content Placeholder 4"/>
+          <p:cNvPicPr>
+            <a:picLocks noGrp="1" noChangeAspect="1"/>
+          </p:cNvPicPr>
+          <p:nvPr>
+            <p:ph sz="half" idx="1"/>
+          </p:nvPr>
+        </p:nvPicPr>
+        <p:blipFill>
+          <a:blip r:embed="rId2">
             <a:extLst>
-              <a:ext uri="{FF2B5EF4-FFF2-40B4-BE49-F238E27FC236}">
-                <a16:creationId xmlns:a16="http://schemas.microsoft.com/office/drawing/2014/main" id="{0E16F3E2-1727-4B46-926F-3AFCA8D680DB}"/>
+              <a:ext uri="{28A0092B-C50C-407E-A947-70E740481C1C}">
+                <a14:useLocalDpi xmlns:a14="http://schemas.microsoft.com/office/drawing/2010/main" val="0"/>
               </a:ext>
             </a:extLst>
-          </p:cNvPr>
-          <p:cNvSpPr>
-            <a:spLocks noGrp="1"/>
-          </p:cNvSpPr>
-          <p:nvPr>
-            <p:ph sz="half" idx="1"/>
-          </p:nvPr>
-        </p:nvSpPr>
-        <p:spPr/>
-        <p:txBody>
-          <a:bodyPr/>
-          <a:lstStyle/>
-          <a:p>
-            <a:endParaRPr lang="en-ZA"/>
-          </a:p>
-        </p:txBody>
-      </p:sp>
+          </a:blip>
+          <a:stretch>
+            <a:fillRect/>
+          </a:stretch>
+        </p:blipFill>
+        <p:spPr>
+          <a:xfrm rot="16200000">
+            <a:off x="973125" y="2300477"/>
+            <a:ext cx="4307067" cy="4159046"/>
+          </a:xfrm>
+        </p:spPr>
+      </p:pic>
       <p:sp>
         <p:nvSpPr>
           <p:cNvPr id="4" name="Content Placeholder 3">

--- a/Demo Presentation.pptx
+++ b/Demo Presentation.pptx
@@ -368,7 +368,7 @@
             <a:fld id="{B61BEF0D-F0BB-DE4B-95CE-6DB70DBA9567}" type="datetimeFigureOut">
               <a:rPr lang="en-US" dirty="0"/>
               <a:pPr/>
-              <a:t>3/14/2019</a:t>
+              <a:t>3/15/2019</a:t>
             </a:fld>
             <a:endParaRPr lang="en-US" dirty="0"/>
           </a:p>
@@ -627,7 +627,7 @@
             <a:fld id="{B61BEF0D-F0BB-DE4B-95CE-6DB70DBA9567}" type="datetimeFigureOut">
               <a:rPr lang="en-US" dirty="0"/>
               <a:pPr/>
-              <a:t>3/14/2019</a:t>
+              <a:t>3/15/2019</a:t>
             </a:fld>
             <a:endParaRPr lang="en-US" dirty="0"/>
           </a:p>
@@ -859,7 +859,7 @@
             <a:fld id="{B61BEF0D-F0BB-DE4B-95CE-6DB70DBA9567}" type="datetimeFigureOut">
               <a:rPr lang="en-US" dirty="0"/>
               <a:pPr/>
-              <a:t>3/14/2019</a:t>
+              <a:t>3/15/2019</a:t>
             </a:fld>
             <a:endParaRPr lang="en-US" dirty="0"/>
           </a:p>
@@ -1096,7 +1096,7 @@
             <a:fld id="{B61BEF0D-F0BB-DE4B-95CE-6DB70DBA9567}" type="datetimeFigureOut">
               <a:rPr lang="en-US" dirty="0"/>
               <a:pPr/>
-              <a:t>3/14/2019</a:t>
+              <a:t>3/15/2019</a:t>
             </a:fld>
             <a:endParaRPr lang="en-US" dirty="0"/>
           </a:p>
@@ -1400,7 +1400,7 @@
             <a:fld id="{B61BEF0D-F0BB-DE4B-95CE-6DB70DBA9567}" type="datetimeFigureOut">
               <a:rPr lang="en-US" dirty="0"/>
               <a:pPr/>
-              <a:t>3/14/2019</a:t>
+              <a:t>3/15/2019</a:t>
             </a:fld>
             <a:endParaRPr lang="en-US" dirty="0"/>
           </a:p>
@@ -1699,7 +1699,7 @@
             <a:fld id="{B61BEF0D-F0BB-DE4B-95CE-6DB70DBA9567}" type="datetimeFigureOut">
               <a:rPr lang="en-US" dirty="0"/>
               <a:pPr/>
-              <a:t>3/14/2019</a:t>
+              <a:t>3/15/2019</a:t>
             </a:fld>
             <a:endParaRPr lang="en-US" dirty="0"/>
           </a:p>
@@ -2118,7 +2118,7 @@
             <a:fld id="{B61BEF0D-F0BB-DE4B-95CE-6DB70DBA9567}" type="datetimeFigureOut">
               <a:rPr lang="en-US" dirty="0"/>
               <a:pPr/>
-              <a:t>3/14/2019</a:t>
+              <a:t>3/15/2019</a:t>
             </a:fld>
             <a:endParaRPr lang="en-US" dirty="0"/>
           </a:p>
@@ -2277,7 +2277,7 @@
             <a:fld id="{B61BEF0D-F0BB-DE4B-95CE-6DB70DBA9567}" type="datetimeFigureOut">
               <a:rPr lang="en-US" dirty="0"/>
               <a:pPr/>
-              <a:t>3/14/2019</a:t>
+              <a:t>3/15/2019</a:t>
             </a:fld>
             <a:endParaRPr lang="en-US" dirty="0"/>
           </a:p>
@@ -2369,7 +2369,7 @@
             <a:fld id="{B61BEF0D-F0BB-DE4B-95CE-6DB70DBA9567}" type="datetimeFigureOut">
               <a:rPr lang="en-US" dirty="0"/>
               <a:pPr/>
-              <a:t>3/14/2019</a:t>
+              <a:t>3/15/2019</a:t>
             </a:fld>
             <a:endParaRPr lang="en-US" dirty="0"/>
           </a:p>
@@ -2744,7 +2744,7 @@
             <a:fld id="{B61BEF0D-F0BB-DE4B-95CE-6DB70DBA9567}" type="datetimeFigureOut">
               <a:rPr lang="en-US" dirty="0"/>
               <a:pPr/>
-              <a:t>3/14/2019</a:t>
+              <a:t>3/15/2019</a:t>
             </a:fld>
             <a:endParaRPr lang="en-US" dirty="0"/>
           </a:p>
@@ -3030,7 +3030,7 @@
             <a:fld id="{B61BEF0D-F0BB-DE4B-95CE-6DB70DBA9567}" type="datetimeFigureOut">
               <a:rPr lang="en-US" dirty="0"/>
               <a:pPr/>
-              <a:t>3/14/2019</a:t>
+              <a:t>3/15/2019</a:t>
             </a:fld>
             <a:endParaRPr lang="en-US" dirty="0"/>
           </a:p>
@@ -3238,7 +3238,7 @@
             <a:fld id="{B61BEF0D-F0BB-DE4B-95CE-6DB70DBA9567}" type="datetimeFigureOut">
               <a:rPr lang="en-US" dirty="0"/>
               <a:pPr/>
-              <a:t>3/14/2019</a:t>
+              <a:t>3/15/2019</a:t>
             </a:fld>
             <a:endParaRPr lang="en-US" dirty="0"/>
           </a:p>
@@ -4309,7 +4309,15 @@
           <a:p>
             <a:r>
               <a:rPr lang="en-ZA" dirty="0"/>
-              <a:t>Responsible for creating the databank to store the client’s photographs used for the facial recognition. This was implemented as a JSON file and methods for interacting with the databank has also been supplied. Also responsible for the landing page and the PowerPoint presentation.</a:t>
+              <a:t>Responsible for creating the databank to store the client’s photographs used for the facial recognition. This was implemented as a JSON file and methods for interacting with the databank has also been supplied. </a:t>
+            </a:r>
+            <a:r>
+              <a:rPr lang="en-ZA" dirty="0" smtClean="0"/>
+              <a:t> Also </a:t>
+            </a:r>
+            <a:r>
+              <a:rPr lang="en-ZA" dirty="0"/>
+              <a:t>responsible for the landing page and the PowerPoint presentation.</a:t>
             </a:r>
           </a:p>
         </p:txBody>
@@ -4400,36 +4408,47 @@
           <a:p>
             <a:r>
               <a:rPr lang="en-ZA" dirty="0"/>
-              <a:t>Responsible for communicating with the Authentication Subsystem as well as the other subsystems in the Merlot project.  Also implemented the  UPDATE function responsible for updating and inserting into the databank.</a:t>
-            </a:r>
-          </a:p>
-        </p:txBody>
-      </p:sp>
-      <p:sp>
-        <p:nvSpPr>
-          <p:cNvPr id="4" name="Content Placeholder 3">
+              <a:t>Responsible for communicating with the </a:t>
+            </a:r>
+            <a:r>
+              <a:rPr lang="en-ZA" dirty="0" smtClean="0"/>
+              <a:t>rest of Merlot teams, most specifically with the authentication team.  </a:t>
+            </a:r>
+            <a:r>
+              <a:rPr lang="en-ZA" dirty="0"/>
+              <a:t>Also implemented the  UPDATE function responsible for updating and inserting into the databank.</a:t>
+            </a:r>
+          </a:p>
+        </p:txBody>
+      </p:sp>
+      <p:pic>
+        <p:nvPicPr>
+          <p:cNvPr id="5" name="Content Placeholder 4"/>
+          <p:cNvPicPr>
+            <a:picLocks noGrp="1" noChangeAspect="1"/>
+          </p:cNvPicPr>
+          <p:nvPr>
+            <p:ph sz="half" idx="2"/>
+          </p:nvPr>
+        </p:nvPicPr>
+        <p:blipFill rotWithShape="1">
+          <a:blip r:embed="rId2">
             <a:extLst>
-              <a:ext uri="{FF2B5EF4-FFF2-40B4-BE49-F238E27FC236}">
-                <a16:creationId xmlns:a16="http://schemas.microsoft.com/office/drawing/2014/main" id="{64960F58-A32A-4770-B69D-EEB8B32EB3ED}"/>
+              <a:ext uri="{28A0092B-C50C-407E-A947-70E740481C1C}">
+                <a14:useLocalDpi xmlns:a14="http://schemas.microsoft.com/office/drawing/2010/main" val="0"/>
               </a:ext>
             </a:extLst>
-          </p:cNvPr>
-          <p:cNvSpPr>
-            <a:spLocks noGrp="1"/>
-          </p:cNvSpPr>
-          <p:nvPr>
-            <p:ph sz="half" idx="2"/>
-          </p:nvPr>
-        </p:nvSpPr>
-        <p:spPr/>
-        <p:txBody>
-          <a:bodyPr/>
-          <a:lstStyle/>
-          <a:p>
-            <a:endParaRPr lang="en-ZA"/>
-          </a:p>
-        </p:txBody>
-      </p:sp>
+          </a:blip>
+          <a:srcRect l="7621" t="-142" r="30117" b="53446"/>
+          <a:stretch/>
+        </p:blipFill>
+        <p:spPr>
+          <a:xfrm>
+            <a:off x="7091320" y="2360266"/>
+            <a:ext cx="3929286" cy="3929286"/>
+          </a:xfrm>
+        </p:spPr>
+      </p:pic>
     </p:spTree>
     <p:extLst>
       <p:ext uri="{BB962C8B-B14F-4D97-AF65-F5344CB8AC3E}">
@@ -4549,7 +4568,15 @@
           <a:p>
             <a:r>
               <a:rPr lang="en-ZA" dirty="0"/>
-              <a:t>Responsible for integrating the facial recognition library provided by node.js, into the overall subsystem. This involves writing methods to also loop through the entire JSON databank for do the facial recognition and return the ClientID.</a:t>
+              <a:t>Responsible for integrating the facial recognition library provided by node.js, into the overall subsystem. </a:t>
+            </a:r>
+            <a:r>
+              <a:rPr lang="en-ZA" dirty="0" smtClean="0"/>
+              <a:t> This </a:t>
+            </a:r>
+            <a:r>
+              <a:rPr lang="en-ZA" dirty="0"/>
+              <a:t>involves writing methods to also loop through the entire JSON databank for do the facial recognition and return the ClientID.</a:t>
             </a:r>
           </a:p>
         </p:txBody>

--- a/Demo Presentation.pptx
+++ b/Demo Presentation.pptx
@@ -14,8 +14,10 @@
     <p:sldId id="263" r:id="rId8"/>
     <p:sldId id="265" r:id="rId9"/>
     <p:sldId id="266" r:id="rId10"/>
-    <p:sldId id="264" r:id="rId11"/>
-    <p:sldId id="262" r:id="rId12"/>
+    <p:sldId id="267" r:id="rId11"/>
+    <p:sldId id="268" r:id="rId12"/>
+    <p:sldId id="264" r:id="rId13"/>
+    <p:sldId id="262" r:id="rId14"/>
   </p:sldIdLst>
   <p:sldSz cx="12192000" cy="6858000"/>
   <p:notesSz cx="6858000" cy="9144000"/>
@@ -3926,7 +3928,7 @@
           <p:cNvPr id="2" name="Title 1">
             <a:extLst>
               <a:ext uri="{FF2B5EF4-FFF2-40B4-BE49-F238E27FC236}">
-                <a16:creationId xmlns:a16="http://schemas.microsoft.com/office/drawing/2014/main" id="{D2085AC1-1C95-486B-AF08-6C584B3BC0F4}"/>
+                <a16:creationId xmlns:a16="http://schemas.microsoft.com/office/drawing/2014/main" id="{AF10DB34-41E6-4A9A-A5E1-08C2505822CC}"/>
               </a:ext>
             </a:extLst>
           </p:cNvPr>
@@ -3943,12 +3945,8 @@
           <a:lstStyle/>
           <a:p>
             <a:r>
-              <a:rPr lang="en-ZA" dirty="0" err="1"/>
-              <a:t>Github</a:t>
-            </a:r>
-            <a:r>
               <a:rPr lang="en-ZA" dirty="0"/>
-              <a:t> and waffle.io</a:t>
+              <a:t>Unit testing</a:t>
             </a:r>
           </a:p>
         </p:txBody>
@@ -3958,7 +3956,7 @@
           <p:cNvPr id="3" name="Subtitle 2">
             <a:extLst>
               <a:ext uri="{FF2B5EF4-FFF2-40B4-BE49-F238E27FC236}">
-                <a16:creationId xmlns:a16="http://schemas.microsoft.com/office/drawing/2014/main" id="{F3601786-820F-4FF9-AB8B-6C2AE43DCAB6}"/>
+                <a16:creationId xmlns:a16="http://schemas.microsoft.com/office/drawing/2014/main" id="{33FA9DE6-3E4E-4C71-AEA8-7DB7DEF44AE7}"/>
               </a:ext>
             </a:extLst>
           </p:cNvPr>
@@ -3976,7 +3974,7 @@
           <a:p>
             <a:r>
               <a:rPr lang="en-ZA" dirty="0"/>
-              <a:t>Links to the technologies that we used</a:t>
+              <a:t>For the main node.js GET function</a:t>
             </a:r>
           </a:p>
         </p:txBody>
@@ -3984,7 +3982,7 @@
     </p:spTree>
     <p:extLst>
       <p:ext uri="{BB962C8B-B14F-4D97-AF65-F5344CB8AC3E}">
-        <p14:creationId xmlns:p14="http://schemas.microsoft.com/office/powerpoint/2010/main" val="2197927727"/>
+        <p14:creationId xmlns:p14="http://schemas.microsoft.com/office/powerpoint/2010/main" val="3038739031"/>
       </p:ext>
     </p:extLst>
   </p:cSld>
@@ -4016,6 +4014,170 @@
           <p:cNvPr id="3" name="Content Placeholder 2">
             <a:extLst>
               <a:ext uri="{FF2B5EF4-FFF2-40B4-BE49-F238E27FC236}">
+                <a16:creationId xmlns:a16="http://schemas.microsoft.com/office/drawing/2014/main" id="{3D8F84F2-8B3B-47F8-93F3-B62CD91DF036}"/>
+              </a:ext>
+            </a:extLst>
+          </p:cNvPr>
+          <p:cNvSpPr>
+            <a:spLocks noGrp="1"/>
+          </p:cNvSpPr>
+          <p:nvPr>
+            <p:ph idx="1"/>
+          </p:nvPr>
+        </p:nvSpPr>
+        <p:spPr/>
+        <p:txBody>
+          <a:bodyPr/>
+          <a:lstStyle/>
+          <a:p>
+            <a:r>
+              <a:rPr lang="en-ZA" dirty="0"/>
+              <a:t>The testing of the </a:t>
+            </a:r>
+            <a:r>
+              <a:rPr lang="en-ZA" dirty="0" err="1"/>
+              <a:t>GetMethod</a:t>
+            </a:r>
+            <a:r>
+              <a:rPr lang="en-ZA" dirty="0"/>
+              <a:t> is currently through the use of a node.js program that calls all the possible post queries using the request package. It sends a valid JSON file to the </a:t>
+            </a:r>
+            <a:r>
+              <a:rPr lang="en-ZA" dirty="0" err="1"/>
+              <a:t>GetMethod</a:t>
+            </a:r>
+            <a:r>
+              <a:rPr lang="en-ZA" dirty="0"/>
+              <a:t> and expects a valid JSON file in return. It is purely a test of how the method decides which function to perform depending on the JSON object sent.</a:t>
+            </a:r>
+          </a:p>
+        </p:txBody>
+      </p:sp>
+    </p:spTree>
+    <p:extLst>
+      <p:ext uri="{BB962C8B-B14F-4D97-AF65-F5344CB8AC3E}">
+        <p14:creationId xmlns:p14="http://schemas.microsoft.com/office/powerpoint/2010/main" val="1159899935"/>
+      </p:ext>
+    </p:extLst>
+  </p:cSld>
+  <p:clrMapOvr>
+    <a:masterClrMapping/>
+  </p:clrMapOvr>
+</p:sld>
+</file>
+
+<file path=ppt/slides/slide12.xml><?xml version="1.0" encoding="utf-8"?>
+<p:sld xmlns:a="http://schemas.openxmlformats.org/drawingml/2006/main" xmlns:r="http://schemas.openxmlformats.org/officeDocument/2006/relationships" xmlns:p="http://schemas.openxmlformats.org/presentationml/2006/main">
+  <p:cSld>
+    <p:spTree>
+      <p:nvGrpSpPr>
+        <p:cNvPr id="1" name=""/>
+        <p:cNvGrpSpPr/>
+        <p:nvPr/>
+      </p:nvGrpSpPr>
+      <p:grpSpPr>
+        <a:xfrm>
+          <a:off x="0" y="0"/>
+          <a:ext cx="0" cy="0"/>
+          <a:chOff x="0" y="0"/>
+          <a:chExt cx="0" cy="0"/>
+        </a:xfrm>
+      </p:grpSpPr>
+      <p:sp>
+        <p:nvSpPr>
+          <p:cNvPr id="2" name="Title 1">
+            <a:extLst>
+              <a:ext uri="{FF2B5EF4-FFF2-40B4-BE49-F238E27FC236}">
+                <a16:creationId xmlns:a16="http://schemas.microsoft.com/office/drawing/2014/main" id="{D2085AC1-1C95-486B-AF08-6C584B3BC0F4}"/>
+              </a:ext>
+            </a:extLst>
+          </p:cNvPr>
+          <p:cNvSpPr>
+            <a:spLocks noGrp="1"/>
+          </p:cNvSpPr>
+          <p:nvPr>
+            <p:ph type="ctrTitle"/>
+          </p:nvPr>
+        </p:nvSpPr>
+        <p:spPr/>
+        <p:txBody>
+          <a:bodyPr/>
+          <a:lstStyle/>
+          <a:p>
+            <a:r>
+              <a:rPr lang="en-ZA" dirty="0" err="1"/>
+              <a:t>Github</a:t>
+            </a:r>
+            <a:r>
+              <a:rPr lang="en-ZA" dirty="0"/>
+              <a:t>, waffle.io and landing page</a:t>
+            </a:r>
+          </a:p>
+        </p:txBody>
+      </p:sp>
+      <p:sp>
+        <p:nvSpPr>
+          <p:cNvPr id="3" name="Subtitle 2">
+            <a:extLst>
+              <a:ext uri="{FF2B5EF4-FFF2-40B4-BE49-F238E27FC236}">
+                <a16:creationId xmlns:a16="http://schemas.microsoft.com/office/drawing/2014/main" id="{F3601786-820F-4FF9-AB8B-6C2AE43DCAB6}"/>
+              </a:ext>
+            </a:extLst>
+          </p:cNvPr>
+          <p:cNvSpPr>
+            <a:spLocks noGrp="1"/>
+          </p:cNvSpPr>
+          <p:nvPr>
+            <p:ph type="subTitle" idx="1"/>
+          </p:nvPr>
+        </p:nvSpPr>
+        <p:spPr/>
+        <p:txBody>
+          <a:bodyPr/>
+          <a:lstStyle/>
+          <a:p>
+            <a:r>
+              <a:rPr lang="en-ZA" dirty="0"/>
+              <a:t>Links to the technologies that we used</a:t>
+            </a:r>
+          </a:p>
+        </p:txBody>
+      </p:sp>
+    </p:spTree>
+    <p:extLst>
+      <p:ext uri="{BB962C8B-B14F-4D97-AF65-F5344CB8AC3E}">
+        <p14:creationId xmlns:p14="http://schemas.microsoft.com/office/powerpoint/2010/main" val="2197927727"/>
+      </p:ext>
+    </p:extLst>
+  </p:cSld>
+  <p:clrMapOvr>
+    <a:masterClrMapping/>
+  </p:clrMapOvr>
+</p:sld>
+</file>
+
+<file path=ppt/slides/slide13.xml><?xml version="1.0" encoding="utf-8"?>
+<p:sld xmlns:a="http://schemas.openxmlformats.org/drawingml/2006/main" xmlns:r="http://schemas.openxmlformats.org/officeDocument/2006/relationships" xmlns:p="http://schemas.openxmlformats.org/presentationml/2006/main">
+  <p:cSld>
+    <p:spTree>
+      <p:nvGrpSpPr>
+        <p:cNvPr id="1" name=""/>
+        <p:cNvGrpSpPr/>
+        <p:nvPr/>
+      </p:nvGrpSpPr>
+      <p:grpSpPr>
+        <a:xfrm>
+          <a:off x="0" y="0"/>
+          <a:ext cx="0" cy="0"/>
+          <a:chOff x="0" y="0"/>
+          <a:chExt cx="0" cy="0"/>
+        </a:xfrm>
+      </p:grpSpPr>
+      <p:sp>
+        <p:nvSpPr>
+          <p:cNvPr id="3" name="Content Placeholder 2">
+            <a:extLst>
+              <a:ext uri="{FF2B5EF4-FFF2-40B4-BE49-F238E27FC236}">
                 <a16:creationId xmlns:a16="http://schemas.microsoft.com/office/drawing/2014/main" id="{BB608F86-23F3-4C99-9D9E-BDAC68E567C4}"/>
               </a:ext>
             </a:extLst>
@@ -4045,7 +4207,23 @@
             <a:endParaRPr lang="en-ZA" sz="2400" dirty="0"/>
           </a:p>
           <a:p>
-            <a:endParaRPr lang="en-ZA" dirty="0"/>
+            <a:pPr marL="0" indent="0">
+              <a:buNone/>
+            </a:pPr>
+            <a:endParaRPr lang="en-ZA" sz="2400" dirty="0"/>
+          </a:p>
+          <a:p>
+            <a:r>
+              <a:rPr lang="en-ZA" sz="2400" dirty="0"/>
+              <a:t>Landing Page: </a:t>
+            </a:r>
+            <a:r>
+              <a:rPr lang="en-ZA" sz="2400" dirty="0">
+                <a:hlinkClick r:id="rId3"/>
+              </a:rPr>
+              <a:t>https://cs.up.ac.za/teams/pages/site_view/36</a:t>
+            </a:r>
+            <a:endParaRPr lang="en-ZA" sz="2400" dirty="0"/>
           </a:p>
           <a:p>
             <a:pPr marL="0" indent="0">
@@ -4068,7 +4246,7 @@
             </a:r>
             <a:r>
               <a:rPr lang="en-ZA" sz="2400" dirty="0">
-                <a:hlinkClick r:id="rId3"/>
+                <a:hlinkClick r:id="rId4"/>
               </a:rPr>
               <a:t>https://github.com/CoolKayTwo/ATM-Facial-Recognition-System</a:t>
             </a:r>
@@ -4309,15 +4487,7 @@
           <a:p>
             <a:r>
               <a:rPr lang="en-ZA" dirty="0"/>
-              <a:t>Responsible for creating the databank to store the client’s photographs used for the facial recognition. This was implemented as a JSON file and methods for interacting with the databank has also been supplied. </a:t>
-            </a:r>
-            <a:r>
-              <a:rPr lang="en-ZA" dirty="0" smtClean="0"/>
-              <a:t> Also </a:t>
-            </a:r>
-            <a:r>
-              <a:rPr lang="en-ZA" dirty="0"/>
-              <a:t>responsible for the landing page and the PowerPoint presentation.</a:t>
+              <a:t>Responsible for creating the databank to store the client’s photographs used for the facial recognition. This was implemented as a JSON file and methods for interacting with the databank has also been supplied.  Also responsible for the landing page and the PowerPoint presentation.</a:t>
             </a:r>
           </a:p>
         </p:txBody>
@@ -4408,15 +4578,7 @@
           <a:p>
             <a:r>
               <a:rPr lang="en-ZA" dirty="0"/>
-              <a:t>Responsible for communicating with the </a:t>
-            </a:r>
-            <a:r>
-              <a:rPr lang="en-ZA" dirty="0" smtClean="0"/>
-              <a:t>rest of Merlot teams, most specifically with the authentication team.  </a:t>
-            </a:r>
-            <a:r>
-              <a:rPr lang="en-ZA" dirty="0"/>
-              <a:t>Also implemented the  UPDATE function responsible for updating and inserting into the databank.</a:t>
+              <a:t>Responsible for communicating with the rest of Merlot teams, most specifically with the authentication team.  Also implemented the  UPDATE function responsible for updating and inserting into the databank.  Also set up hosting.</a:t>
             </a:r>
           </a:p>
         </p:txBody>
@@ -4568,15 +4730,7 @@
           <a:p>
             <a:r>
               <a:rPr lang="en-ZA" dirty="0"/>
-              <a:t>Responsible for integrating the facial recognition library provided by node.js, into the overall subsystem. </a:t>
-            </a:r>
-            <a:r>
-              <a:rPr lang="en-ZA" dirty="0" smtClean="0"/>
-              <a:t> This </a:t>
-            </a:r>
-            <a:r>
-              <a:rPr lang="en-ZA" dirty="0"/>
-              <a:t>involves writing methods to also loop through the entire JSON databank for do the facial recognition and return the ClientID.</a:t>
+              <a:t>Responsible for integrating the facial recognition library provided by node.js, into the overall subsystem.  This involves writing methods to also loop through the entire JSON databank for do the facial recognition and return the ClientID.</a:t>
             </a:r>
           </a:p>
         </p:txBody>
